--- a/Documents/5 정렬.pptx
+++ b/Documents/5 정렬.pptx
@@ -266,7 +266,7 @@
           <a:p>
             <a:fld id="{65A9B928-B926-4726-B925-8AA4FF17755D}" type="datetimeFigureOut">
               <a:rPr lang="ko-KR" altLang="en-US" smtClean="0"/>
-              <a:t>2025-09-24</a:t>
+              <a:t>2025-09-25</a:t>
             </a:fld>
             <a:endParaRPr lang="ko-KR" altLang="en-US"/>
           </a:p>
@@ -464,7 +464,7 @@
           <a:p>
             <a:fld id="{65A9B928-B926-4726-B925-8AA4FF17755D}" type="datetimeFigureOut">
               <a:rPr lang="ko-KR" altLang="en-US" smtClean="0"/>
-              <a:t>2025-09-24</a:t>
+              <a:t>2025-09-25</a:t>
             </a:fld>
             <a:endParaRPr lang="ko-KR" altLang="en-US"/>
           </a:p>
@@ -672,7 +672,7 @@
           <a:p>
             <a:fld id="{65A9B928-B926-4726-B925-8AA4FF17755D}" type="datetimeFigureOut">
               <a:rPr lang="ko-KR" altLang="en-US" smtClean="0"/>
-              <a:t>2025-09-24</a:t>
+              <a:t>2025-09-25</a:t>
             </a:fld>
             <a:endParaRPr lang="ko-KR" altLang="en-US"/>
           </a:p>
@@ -870,7 +870,7 @@
           <a:p>
             <a:fld id="{65A9B928-B926-4726-B925-8AA4FF17755D}" type="datetimeFigureOut">
               <a:rPr lang="ko-KR" altLang="en-US" smtClean="0"/>
-              <a:t>2025-09-24</a:t>
+              <a:t>2025-09-25</a:t>
             </a:fld>
             <a:endParaRPr lang="ko-KR" altLang="en-US"/>
           </a:p>
@@ -1145,7 +1145,7 @@
           <a:p>
             <a:fld id="{65A9B928-B926-4726-B925-8AA4FF17755D}" type="datetimeFigureOut">
               <a:rPr lang="ko-KR" altLang="en-US" smtClean="0"/>
-              <a:t>2025-09-24</a:t>
+              <a:t>2025-09-25</a:t>
             </a:fld>
             <a:endParaRPr lang="ko-KR" altLang="en-US"/>
           </a:p>
@@ -1410,7 +1410,7 @@
           <a:p>
             <a:fld id="{65A9B928-B926-4726-B925-8AA4FF17755D}" type="datetimeFigureOut">
               <a:rPr lang="ko-KR" altLang="en-US" smtClean="0"/>
-              <a:t>2025-09-24</a:t>
+              <a:t>2025-09-25</a:t>
             </a:fld>
             <a:endParaRPr lang="ko-KR" altLang="en-US"/>
           </a:p>
@@ -1822,7 +1822,7 @@
           <a:p>
             <a:fld id="{65A9B928-B926-4726-B925-8AA4FF17755D}" type="datetimeFigureOut">
               <a:rPr lang="ko-KR" altLang="en-US" smtClean="0"/>
-              <a:t>2025-09-24</a:t>
+              <a:t>2025-09-25</a:t>
             </a:fld>
             <a:endParaRPr lang="ko-KR" altLang="en-US"/>
           </a:p>
@@ -1963,7 +1963,7 @@
           <a:p>
             <a:fld id="{65A9B928-B926-4726-B925-8AA4FF17755D}" type="datetimeFigureOut">
               <a:rPr lang="ko-KR" altLang="en-US" smtClean="0"/>
-              <a:t>2025-09-24</a:t>
+              <a:t>2025-09-25</a:t>
             </a:fld>
             <a:endParaRPr lang="ko-KR" altLang="en-US"/>
           </a:p>
@@ -2076,7 +2076,7 @@
           <a:p>
             <a:fld id="{65A9B928-B926-4726-B925-8AA4FF17755D}" type="datetimeFigureOut">
               <a:rPr lang="ko-KR" altLang="en-US" smtClean="0"/>
-              <a:t>2025-09-24</a:t>
+              <a:t>2025-09-25</a:t>
             </a:fld>
             <a:endParaRPr lang="ko-KR" altLang="en-US"/>
           </a:p>
@@ -2387,7 +2387,7 @@
           <a:p>
             <a:fld id="{65A9B928-B926-4726-B925-8AA4FF17755D}" type="datetimeFigureOut">
               <a:rPr lang="ko-KR" altLang="en-US" smtClean="0"/>
-              <a:t>2025-09-24</a:t>
+              <a:t>2025-09-25</a:t>
             </a:fld>
             <a:endParaRPr lang="ko-KR" altLang="en-US"/>
           </a:p>
@@ -2675,7 +2675,7 @@
           <a:p>
             <a:fld id="{65A9B928-B926-4726-B925-8AA4FF17755D}" type="datetimeFigureOut">
               <a:rPr lang="ko-KR" altLang="en-US" smtClean="0"/>
-              <a:t>2025-09-24</a:t>
+              <a:t>2025-09-25</a:t>
             </a:fld>
             <a:endParaRPr lang="ko-KR" altLang="en-US"/>
           </a:p>
@@ -2916,7 +2916,7 @@
           <a:p>
             <a:fld id="{65A9B928-B926-4726-B925-8AA4FF17755D}" type="datetimeFigureOut">
               <a:rPr lang="ko-KR" altLang="en-US" smtClean="0"/>
-              <a:t>2025-09-24</a:t>
+              <a:t>2025-09-25</a:t>
             </a:fld>
             <a:endParaRPr lang="ko-KR" altLang="en-US"/>
           </a:p>
@@ -5763,20 +5763,12 @@
             <a:endParaRPr lang="en-US" altLang="ko-KR" sz="1400" dirty="0"/>
           </a:p>
           <a:p>
-            <a:pPr>
-              <a:buFont typeface="Arial" panose="020B0604020202020204" pitchFamily="34" charset="0"/>
-              <a:buChar char="•"/>
-            </a:pPr>
             <a:r>
               <a:rPr lang="pt-BR" altLang="ko-KR" sz="1400" dirty="0"/>
               <a:t>(A, 90), (B, 70), (C, 90), (D, 80)</a:t>
             </a:r>
           </a:p>
           <a:p>
-            <a:pPr>
-              <a:buFont typeface="Arial" panose="020B0604020202020204" pitchFamily="34" charset="0"/>
-              <a:buChar char="•"/>
-            </a:pPr>
             <a:r>
               <a:rPr lang="en-US" altLang="ko-KR" sz="1400" dirty="0"/>
               <a:t>(B, 70), (D, 80), (A, 90), (C, 90) </a:t>
@@ -5842,7 +5834,7 @@
             </a:pPr>
             <a:r>
               <a:rPr lang="en-US" altLang="ko-KR" sz="1400" b="1" dirty="0"/>
-              <a:t>*. </a:t>
+              <a:t>* </a:t>
             </a:r>
             <a:r>
               <a:rPr lang="ko-KR" altLang="en-US" sz="1400" b="1" dirty="0"/>
@@ -5854,10 +5846,6 @@
             </a:r>
           </a:p>
           <a:p>
-            <a:pPr>
-              <a:buFont typeface="Arial" panose="020B0604020202020204" pitchFamily="34" charset="0"/>
-              <a:buChar char="•"/>
-            </a:pPr>
             <a:r>
               <a:rPr lang="ko-KR" altLang="en-US" sz="1400" b="1" dirty="0"/>
               <a:t>정렬 키 값만 맞으면</a:t>
@@ -5907,6 +5895,135 @@
             <a:r>
               <a:rPr lang="en-US" altLang="ko-KR" sz="1400" dirty="0"/>
               <a:t>)</a:t>
+            </a:r>
+          </a:p>
+        </p:txBody>
+      </p:sp>
+      <p:sp>
+        <p:nvSpPr>
+          <p:cNvPr id="5" name="TextBox 4">
+            <a:extLst>
+              <a:ext uri="{FF2B5EF4-FFF2-40B4-BE49-F238E27FC236}">
+                <a16:creationId xmlns:a16="http://schemas.microsoft.com/office/drawing/2014/main" id="{D0746583-1AF6-8F04-832E-CF24F666634B}"/>
+              </a:ext>
+            </a:extLst>
+          </p:cNvPr>
+          <p:cNvSpPr txBox="1"/>
+          <p:nvPr/>
+        </p:nvSpPr>
+        <p:spPr>
+          <a:xfrm>
+            <a:off x="441721" y="1506022"/>
+            <a:ext cx="9352359" cy="738664"/>
+          </a:xfrm>
+          <a:prstGeom prst="rect">
+            <a:avLst/>
+          </a:prstGeom>
+          <a:noFill/>
+        </p:spPr>
+        <p:txBody>
+          <a:bodyPr wrap="square">
+            <a:spAutoFit/>
+          </a:bodyPr>
+          <a:lstStyle/>
+          <a:p>
+            <a:r>
+              <a:rPr lang="en-US" altLang="ko-KR" sz="1400" dirty="0"/>
+              <a:t>Big-O (</a:t>
+            </a:r>
+            <a:r>
+              <a:rPr lang="ko-KR" altLang="en-US" sz="1400" dirty="0"/>
+              <a:t>빅</a:t>
+            </a:r>
+            <a:r>
+              <a:rPr lang="en-US" altLang="ko-KR" sz="1400" dirty="0"/>
+              <a:t>-</a:t>
+            </a:r>
+            <a:r>
+              <a:rPr lang="ko-KR" altLang="en-US" sz="1400" dirty="0"/>
+              <a:t>오 표기</a:t>
+            </a:r>
+            <a:r>
+              <a:rPr lang="en-US" altLang="ko-KR" sz="1400" dirty="0"/>
+              <a:t>, </a:t>
+            </a:r>
+            <a:r>
+              <a:rPr lang="ko-KR" altLang="en-US" sz="1400" dirty="0"/>
+              <a:t>상한 </a:t>
+            </a:r>
+            <a:r>
+              <a:rPr lang="en-US" altLang="ko-KR" sz="1400" dirty="0"/>
+              <a:t>Upper Bound): </a:t>
+            </a:r>
+            <a:r>
+              <a:rPr lang="ko-KR" altLang="en-US" sz="1400" dirty="0"/>
+              <a:t>“최대 이 정도까지 걸릴 수 있다”</a:t>
+            </a:r>
+            <a:endParaRPr lang="en-US" altLang="ko-KR" sz="1400" dirty="0"/>
+          </a:p>
+          <a:p>
+            <a:r>
+              <a:rPr lang="el-GR" altLang="ko-KR" sz="1400" dirty="0"/>
+              <a:t>Ω (</a:t>
+            </a:r>
+            <a:r>
+              <a:rPr lang="ko-KR" altLang="en-US" sz="1400" dirty="0"/>
+              <a:t>빅</a:t>
+            </a:r>
+            <a:r>
+              <a:rPr lang="en-US" altLang="ko-KR" sz="1400" dirty="0"/>
+              <a:t>-</a:t>
+            </a:r>
+            <a:r>
+              <a:rPr lang="ko-KR" altLang="en-US" sz="1400" dirty="0"/>
+              <a:t>오메가 표기</a:t>
+            </a:r>
+            <a:r>
+              <a:rPr lang="en-US" altLang="ko-KR" sz="1400" dirty="0"/>
+              <a:t>, </a:t>
+            </a:r>
+            <a:r>
+              <a:rPr lang="ko-KR" altLang="en-US" sz="1400" dirty="0"/>
+              <a:t>하한 </a:t>
+            </a:r>
+            <a:r>
+              <a:rPr lang="en-US" altLang="ko-KR" sz="1400" dirty="0"/>
+              <a:t>Lower Bound): </a:t>
+            </a:r>
+            <a:r>
+              <a:rPr lang="ko-KR" altLang="en-US" sz="1400" dirty="0"/>
+              <a:t>“아무리 빨라도 이 정도는 걸린다”</a:t>
+            </a:r>
+            <a:endParaRPr lang="en-US" altLang="ko-KR" sz="1400" dirty="0"/>
+          </a:p>
+          <a:p>
+            <a:r>
+              <a:rPr lang="el-GR" altLang="ko-KR" sz="1400" dirty="0"/>
+              <a:t>Θ (</a:t>
+            </a:r>
+            <a:r>
+              <a:rPr lang="ko-KR" altLang="en-US" sz="1400" dirty="0" err="1"/>
+              <a:t>세타</a:t>
+            </a:r>
+            <a:r>
+              <a:rPr lang="ko-KR" altLang="en-US" sz="1400" dirty="0"/>
+              <a:t> 표기</a:t>
+            </a:r>
+            <a:r>
+              <a:rPr lang="en-US" altLang="ko-KR" sz="1400" dirty="0"/>
+              <a:t>, Tight Bound): </a:t>
+            </a:r>
+            <a:r>
+              <a:rPr lang="ko-KR" altLang="en-US" sz="1400" dirty="0"/>
+              <a:t>즉</a:t>
+            </a:r>
+            <a:r>
+              <a:rPr lang="en-US" altLang="ko-KR" sz="1400" dirty="0"/>
+              <a:t>, </a:t>
+            </a:r>
+            <a:r>
+              <a:rPr lang="ko-KR" altLang="en-US" sz="1400" dirty="0"/>
+              <a:t>최악과 최선이 같은 차수일 때 전체 평균 성능을 표현</a:t>
             </a:r>
           </a:p>
         </p:txBody>
